--- a/Document/Elevator_ppt_final.pptx
+++ b/Document/Elevator_ppt_final.pptx
@@ -6,12 +6,13 @@
   </p:sldMasterIdLst>
   <p:sldIdLst>
     <p:sldId id="256" r:id="rId2"/>
-    <p:sldId id="260" r:id="rId3"/>
+    <p:sldId id="264" r:id="rId3"/>
     <p:sldId id="262" r:id="rId4"/>
     <p:sldId id="259" r:id="rId5"/>
     <p:sldId id="261" r:id="rId6"/>
     <p:sldId id="257" r:id="rId7"/>
     <p:sldId id="258" r:id="rId8"/>
+    <p:sldId id="263" r:id="rId9"/>
   </p:sldIdLst>
   <p:sldSz cx="9144000" cy="6858000" type="screen4x3"/>
   <p:notesSz cx="6858000" cy="9144000"/>
@@ -3268,45 +3269,52 @@
       </p:sp>
       <p:sp>
         <p:nvSpPr>
-          <p:cNvPr id="3" name="내용 개체 틀 2"/>
-          <p:cNvSpPr>
-            <a:spLocks noGrp="1"/>
-          </p:cNvSpPr>
-          <p:nvPr>
-            <p:ph idx="1"/>
-          </p:nvPr>
-        </p:nvSpPr>
-        <p:spPr/>
-        <p:txBody>
-          <a:bodyPr/>
-          <a:lstStyle/>
-          <a:p>
-            <a:r>
-              <a:rPr lang="en-US" altLang="ko-KR" dirty="0" smtClean="0"/>
-              <a:t>YOUTUBE LINK </a:t>
-            </a:r>
-            <a:r>
-              <a:rPr lang="ko-KR" altLang="en-US" dirty="0" smtClean="0"/>
-              <a:t>어딘가</a:t>
-            </a:r>
-            <a:r>
-              <a:rPr lang="en-US" altLang="ko-KR" smtClean="0"/>
-              <a:t>..</a:t>
-            </a:r>
-            <a:endParaRPr lang="ko-KR" altLang="en-US" dirty="0"/>
+          <p:cNvPr id="3" name="직사각형 2"/>
+          <p:cNvSpPr/>
+          <p:nvPr/>
+        </p:nvSpPr>
+        <p:spPr>
+          <a:xfrm>
+            <a:off x="2454987" y="2204864"/>
+            <a:ext cx="4536504" cy="461665"/>
+          </a:xfrm>
+          <a:prstGeom prst="rect">
+            <a:avLst/>
+          </a:prstGeom>
+        </p:spPr>
+        <p:txBody>
+          <a:bodyPr wrap="square">
+            <a:spAutoFit/>
+          </a:bodyPr>
+          <a:lstStyle/>
+          <a:p>
+            <a:r>
+              <a:rPr lang="en-US" altLang="ko-KR" sz="2400" dirty="0">
+                <a:hlinkClick r:id="rId2"/>
+              </a:rPr>
+              <a:t>https://youtu.be/MbwQFMftpic</a:t>
+            </a:r>
+            <a:endParaRPr lang="ko-KR" altLang="en-US" sz="2400" dirty="0"/>
           </a:p>
         </p:txBody>
       </p:sp>
     </p:spTree>
     <p:extLst>
       <p:ext uri="{BB962C8B-B14F-4D97-AF65-F5344CB8AC3E}">
-        <p14:creationId xmlns:p14="http://schemas.microsoft.com/office/powerpoint/2010/main" val="1832041650"/>
+        <p14:creationId xmlns:p14="http://schemas.microsoft.com/office/powerpoint/2010/main" val="852142667"/>
       </p:ext>
     </p:extLst>
   </p:cSld>
   <p:clrMapOvr>
     <a:masterClrMapping/>
   </p:clrMapOvr>
+  <p:timing>
+    <p:tnLst>
+      <p:par>
+        <p:cTn id="1" dur="indefinite" restart="never" nodeType="tmRoot"/>
+      </p:par>
+    </p:tnLst>
+  </p:timing>
 </p:sld>
 </file>
 
@@ -3327,6 +3335,211 @@
           <a:chExt cx="0" cy="0"/>
         </a:xfrm>
       </p:grpSpPr>
+      <p:pic>
+        <p:nvPicPr>
+          <p:cNvPr id="2066" name="Picture 18" descr="아두이노 LCD"/>
+          <p:cNvPicPr>
+            <a:picLocks noChangeAspect="1" noChangeArrowheads="1" noCrop="1"/>
+          </p:cNvPicPr>
+          <p:nvPr/>
+        </p:nvPicPr>
+        <p:blipFill>
+          <a:blip r:embed="rId2" cstate="print">
+            <a:extLst>
+              <a:ext uri="{28A0092B-C50C-407E-A947-70E740481C1C}">
+                <a14:useLocalDpi xmlns:a14="http://schemas.microsoft.com/office/drawing/2010/main" val="0"/>
+              </a:ext>
+            </a:extLst>
+          </a:blip>
+          <a:srcRect/>
+          <a:stretch>
+            <a:fillRect/>
+          </a:stretch>
+        </p:blipFill>
+        <p:spPr bwMode="auto">
+          <a:xfrm>
+            <a:off x="4535976" y="1905013"/>
+            <a:ext cx="1080160" cy="1080160"/>
+          </a:xfrm>
+          <a:prstGeom prst="rect">
+            <a:avLst/>
+          </a:prstGeom>
+          <a:noFill/>
+          <a:extLst>
+            <a:ext uri="{909E8E84-426E-40DD-AFC4-6F175D3DCCD1}">
+              <a14:hiddenFill xmlns:a14="http://schemas.microsoft.com/office/drawing/2010/main">
+                <a:solidFill>
+                  <a:srgbClr val="FFFFFF"/>
+                </a:solidFill>
+              </a14:hiddenFill>
+            </a:ext>
+          </a:extLst>
+        </p:spPr>
+      </p:pic>
+      <p:pic>
+        <p:nvPicPr>
+          <p:cNvPr id="2050" name="Picture 2" descr="ITR9606 Sensor Infrarrojo | Compra en Línea | sgemx.com"/>
+          <p:cNvPicPr>
+            <a:picLocks noChangeAspect="1" noChangeArrowheads="1"/>
+          </p:cNvPicPr>
+          <p:nvPr/>
+        </p:nvPicPr>
+        <p:blipFill>
+          <a:blip r:embed="rId3" cstate="print">
+            <a:extLst>
+              <a:ext uri="{28A0092B-C50C-407E-A947-70E740481C1C}">
+                <a14:useLocalDpi xmlns:a14="http://schemas.microsoft.com/office/drawing/2010/main" val="0"/>
+              </a:ext>
+            </a:extLst>
+          </a:blip>
+          <a:srcRect/>
+          <a:stretch>
+            <a:fillRect/>
+          </a:stretch>
+        </p:blipFill>
+        <p:spPr bwMode="auto">
+          <a:xfrm>
+            <a:off x="6660232" y="4541222"/>
+            <a:ext cx="720080" cy="720080"/>
+          </a:xfrm>
+          <a:prstGeom prst="rect">
+            <a:avLst/>
+          </a:prstGeom>
+          <a:noFill/>
+          <a:extLst>
+            <a:ext uri="{909E8E84-426E-40DD-AFC4-6F175D3DCCD1}">
+              <a14:hiddenFill xmlns:a14="http://schemas.microsoft.com/office/drawing/2010/main">
+                <a:solidFill>
+                  <a:srgbClr val="FFFFFF"/>
+                </a:solidFill>
+              </a14:hiddenFill>
+            </a:ext>
+          </a:extLst>
+        </p:spPr>
+      </p:pic>
+      <p:pic>
+        <p:nvPicPr>
+          <p:cNvPr id="2052" name="Picture 4" descr="GL 5537 LDR Photoresistor / Light Dependent Resistor – Pack of 10 - Phipps  Electronics"/>
+          <p:cNvPicPr>
+            <a:picLocks noChangeAspect="1" noChangeArrowheads="1"/>
+          </p:cNvPicPr>
+          <p:nvPr/>
+        </p:nvPicPr>
+        <p:blipFill>
+          <a:blip r:embed="rId4" cstate="print">
+            <a:extLst>
+              <a:ext uri="{28A0092B-C50C-407E-A947-70E740481C1C}">
+                <a14:useLocalDpi xmlns:a14="http://schemas.microsoft.com/office/drawing/2010/main" val="0"/>
+              </a:ext>
+            </a:extLst>
+          </a:blip>
+          <a:srcRect/>
+          <a:stretch>
+            <a:fillRect/>
+          </a:stretch>
+        </p:blipFill>
+        <p:spPr bwMode="auto">
+          <a:xfrm>
+            <a:off x="4427984" y="5085184"/>
+            <a:ext cx="648072" cy="648072"/>
+          </a:xfrm>
+          <a:prstGeom prst="rect">
+            <a:avLst/>
+          </a:prstGeom>
+          <a:noFill/>
+          <a:extLst>
+            <a:ext uri="{909E8E84-426E-40DD-AFC4-6F175D3DCCD1}">
+              <a14:hiddenFill xmlns:a14="http://schemas.microsoft.com/office/drawing/2010/main">
+                <a:solidFill>
+                  <a:srgbClr val="FFFFFF"/>
+                </a:solidFill>
+              </a14:hiddenFill>
+            </a:ext>
+          </a:extLst>
+        </p:spPr>
+      </p:pic>
+      <p:pic>
+        <p:nvPicPr>
+          <p:cNvPr id="2054" name="Picture 6" descr="ULN2003 4상 5선 스텝 모터 드라이버 0.5A (HAM2917)"/>
+          <p:cNvPicPr>
+            <a:picLocks noChangeAspect="1" noChangeArrowheads="1"/>
+          </p:cNvPicPr>
+          <p:nvPr/>
+        </p:nvPicPr>
+        <p:blipFill>
+          <a:blip r:embed="rId5" cstate="print">
+            <a:extLst>
+              <a:ext uri="{28A0092B-C50C-407E-A947-70E740481C1C}">
+                <a14:useLocalDpi xmlns:a14="http://schemas.microsoft.com/office/drawing/2010/main" val="0"/>
+              </a:ext>
+            </a:extLst>
+          </a:blip>
+          <a:srcRect/>
+          <a:stretch>
+            <a:fillRect/>
+          </a:stretch>
+        </p:blipFill>
+        <p:spPr bwMode="auto">
+          <a:xfrm>
+            <a:off x="6948264" y="3861048"/>
+            <a:ext cx="792088" cy="792088"/>
+          </a:xfrm>
+          <a:prstGeom prst="rect">
+            <a:avLst/>
+          </a:prstGeom>
+          <a:noFill/>
+          <a:extLst>
+            <a:ext uri="{909E8E84-426E-40DD-AFC4-6F175D3DCCD1}">
+              <a14:hiddenFill xmlns:a14="http://schemas.microsoft.com/office/drawing/2010/main">
+                <a:solidFill>
+                  <a:srgbClr val="FFFFFF"/>
+                </a:solidFill>
+              </a14:hiddenFill>
+            </a:ext>
+          </a:extLst>
+        </p:spPr>
+      </p:pic>
+      <p:pic>
+        <p:nvPicPr>
+          <p:cNvPr id="2056" name="Picture 8" descr="Stepper Motor 28BYJ-48 (5V or 12V) with Reduction Gearbox"/>
+          <p:cNvPicPr>
+            <a:picLocks noChangeAspect="1" noChangeArrowheads="1"/>
+          </p:cNvPicPr>
+          <p:nvPr/>
+        </p:nvPicPr>
+        <p:blipFill>
+          <a:blip r:embed="rId6" cstate="print">
+            <a:extLst>
+              <a:ext uri="{28A0092B-C50C-407E-A947-70E740481C1C}">
+                <a14:useLocalDpi xmlns:a14="http://schemas.microsoft.com/office/drawing/2010/main" val="0"/>
+              </a:ext>
+            </a:extLst>
+          </a:blip>
+          <a:srcRect/>
+          <a:stretch>
+            <a:fillRect/>
+          </a:stretch>
+        </p:blipFill>
+        <p:spPr bwMode="auto">
+          <a:xfrm>
+            <a:off x="5514181" y="3068960"/>
+            <a:ext cx="936064" cy="936064"/>
+          </a:xfrm>
+          <a:prstGeom prst="rect">
+            <a:avLst/>
+          </a:prstGeom>
+          <a:noFill/>
+          <a:extLst>
+            <a:ext uri="{909E8E84-426E-40DD-AFC4-6F175D3DCCD1}">
+              <a14:hiddenFill xmlns:a14="http://schemas.microsoft.com/office/drawing/2010/main">
+                <a:solidFill>
+                  <a:srgbClr val="FFFFFF"/>
+                </a:solidFill>
+              </a14:hiddenFill>
+            </a:ext>
+          </a:extLst>
+        </p:spPr>
+      </p:pic>
       <p:sp>
         <p:nvSpPr>
           <p:cNvPr id="2" name="제목 1"/>
@@ -3375,27 +3588,19 @@
           <a:p>
             <a:r>
               <a:rPr lang="en-US" altLang="ko-KR" dirty="0" smtClean="0"/>
-              <a:t>18</a:t>
-            </a:r>
-            <a:r>
-              <a:rPr lang="en-US" altLang="ko-KR" dirty="0"/>
-              <a:t>x</a:t>
-            </a:r>
+              <a:t>1602 LCD (CN0133)</a:t>
+            </a:r>
+          </a:p>
+          <a:p>
             <a:r>
               <a:rPr lang="en-US" altLang="ko-KR" dirty="0" smtClean="0"/>
-              <a:t>2 I2C_LCD</a:t>
+              <a:t>8x8 DOT MATRIX (1088BS)</a:t>
             </a:r>
           </a:p>
           <a:p>
             <a:r>
               <a:rPr lang="en-US" altLang="ko-KR" dirty="0" smtClean="0"/>
-              <a:t>8x8 DOT MATRIX</a:t>
-            </a:r>
-          </a:p>
-          <a:p>
-            <a:r>
-              <a:rPr lang="en-US" altLang="ko-KR" dirty="0" smtClean="0"/>
-              <a:t>STEP MOTOR</a:t>
+              <a:t>STEP MOTOR (28BYJ-48)</a:t>
             </a:r>
           </a:p>
           <a:p>
@@ -3411,7 +3616,13 @@
           <a:p>
             <a:r>
               <a:rPr lang="en-US" altLang="ko-KR" dirty="0" smtClean="0"/>
-              <a:t>PHOTO INTERRUPTER</a:t>
+              <a:t>PHOTO INTERRUPTER (ES92B4)</a:t>
+            </a:r>
+          </a:p>
+          <a:p>
+            <a:r>
+              <a:rPr lang="en-US" altLang="ko-KR" dirty="0" smtClean="0"/>
+              <a:t>CDS cell (GL 5537)</a:t>
             </a:r>
           </a:p>
           <a:p>
@@ -3419,6 +3630,88 @@
           </a:p>
         </p:txBody>
       </p:sp>
+      <p:pic>
+        <p:nvPicPr>
+          <p:cNvPr id="2058" name="Picture 10" descr="Dot Matrix LED 8x8 1088BS - Einstronic Enterprise"/>
+          <p:cNvPicPr>
+            <a:picLocks noChangeAspect="1" noChangeArrowheads="1"/>
+          </p:cNvPicPr>
+          <p:nvPr/>
+        </p:nvPicPr>
+        <p:blipFill>
+          <a:blip r:embed="rId7" cstate="print">
+            <a:extLst>
+              <a:ext uri="{28A0092B-C50C-407E-A947-70E740481C1C}">
+                <a14:useLocalDpi xmlns:a14="http://schemas.microsoft.com/office/drawing/2010/main" val="0"/>
+              </a:ext>
+            </a:extLst>
+          </a:blip>
+          <a:srcRect/>
+          <a:stretch>
+            <a:fillRect/>
+          </a:stretch>
+        </p:blipFill>
+        <p:spPr bwMode="auto">
+          <a:xfrm>
+            <a:off x="5843068" y="2672916"/>
+            <a:ext cx="606011" cy="606011"/>
+          </a:xfrm>
+          <a:prstGeom prst="rect">
+            <a:avLst/>
+          </a:prstGeom>
+          <a:noFill/>
+          <a:extLst>
+            <a:ext uri="{909E8E84-426E-40DD-AFC4-6F175D3DCCD1}">
+              <a14:hiddenFill xmlns:a14="http://schemas.microsoft.com/office/drawing/2010/main">
+                <a:solidFill>
+                  <a:srgbClr val="FFFFFF"/>
+                </a:solidFill>
+              </a14:hiddenFill>
+            </a:ext>
+          </a:extLst>
+        </p:spPr>
+      </p:pic>
+      <p:pic>
+        <p:nvPicPr>
+          <p:cNvPr id="13" name="Picture 2" descr="STMICROELECTRONICS NUCLEO-F429ZI"/>
+          <p:cNvPicPr>
+            <a:picLocks noChangeAspect="1" noChangeArrowheads="1"/>
+          </p:cNvPicPr>
+          <p:nvPr/>
+        </p:nvPicPr>
+        <p:blipFill>
+          <a:blip r:embed="rId8">
+            <a:extLst>
+              <a:ext uri="{28A0092B-C50C-407E-A947-70E740481C1C}">
+                <a14:useLocalDpi xmlns:a14="http://schemas.microsoft.com/office/drawing/2010/main" val="0"/>
+              </a:ext>
+            </a:extLst>
+          </a:blip>
+          <a:srcRect/>
+          <a:stretch>
+            <a:fillRect/>
+          </a:stretch>
+        </p:blipFill>
+        <p:spPr bwMode="auto">
+          <a:xfrm rot="5400000">
+            <a:off x="3823780" y="999714"/>
+            <a:ext cx="812446" cy="1562396"/>
+          </a:xfrm>
+          <a:prstGeom prst="rect">
+            <a:avLst/>
+          </a:prstGeom>
+          <a:noFill/>
+          <a:extLst>
+            <a:ext uri="{909E8E84-426E-40DD-AFC4-6F175D3DCCD1}">
+              <a14:hiddenFill xmlns:a14="http://schemas.microsoft.com/office/drawing/2010/main">
+                <a:solidFill>
+                  <a:srgbClr val="FFFFFF"/>
+                </a:solidFill>
+              </a14:hiddenFill>
+            </a:ext>
+          </a:extLst>
+        </p:spPr>
+      </p:pic>
     </p:spTree>
     <p:extLst>
       <p:ext uri="{BB962C8B-B14F-4D97-AF65-F5344CB8AC3E}">
@@ -3568,7 +3861,7 @@
       </p:sp>
       <p:pic>
         <p:nvPicPr>
-          <p:cNvPr id="2050" name="Picture 2" descr="C:\Users\wooch\OneDrive\바탕 화면\STM32_Elevator\Document\HW_SCHEMATIC2.png"/>
+          <p:cNvPr id="1026" name="Picture 2" descr="D:\woochangmin\ARM\src\STM32F429ZI\STM32_Elevator\Document\HW_SCHEMATIC2.png"/>
           <p:cNvPicPr>
             <a:picLocks noChangeAspect="1" noChangeArrowheads="1"/>
           </p:cNvPicPr>
@@ -3589,7 +3882,7 @@
         </p:blipFill>
         <p:spPr bwMode="auto">
           <a:xfrm>
-            <a:off x="0" y="1300675"/>
+            <a:off x="32166" y="1292836"/>
             <a:ext cx="9075738" cy="5540375"/>
           </a:xfrm>
           <a:prstGeom prst="rect">
@@ -3805,6 +4098,159 @@
   <p:clrMapOvr>
     <a:masterClrMapping/>
   </p:clrMapOvr>
+  <p:timing>
+    <p:tnLst>
+      <p:par>
+        <p:cTn id="1" dur="indefinite" restart="never" nodeType="tmRoot"/>
+      </p:par>
+    </p:tnLst>
+  </p:timing>
+</p:sld>
+</file>
+
+<file path=ppt/slides/slide8.xml><?xml version="1.0" encoding="utf-8"?>
+<p:sld xmlns:a="http://schemas.openxmlformats.org/drawingml/2006/main" xmlns:r="http://schemas.openxmlformats.org/officeDocument/2006/relationships" xmlns:p="http://schemas.openxmlformats.org/presentationml/2006/main">
+  <p:cSld>
+    <p:spTree>
+      <p:nvGrpSpPr>
+        <p:cNvPr id="1" name=""/>
+        <p:cNvGrpSpPr/>
+        <p:nvPr/>
+      </p:nvGrpSpPr>
+      <p:grpSpPr>
+        <a:xfrm>
+          <a:off x="0" y="0"/>
+          <a:ext cx="0" cy="0"/>
+          <a:chOff x="0" y="0"/>
+          <a:chExt cx="0" cy="0"/>
+        </a:xfrm>
+      </p:grpSpPr>
+      <p:sp>
+        <p:nvSpPr>
+          <p:cNvPr id="4" name="직사각형 3"/>
+          <p:cNvSpPr/>
+          <p:nvPr/>
+        </p:nvSpPr>
+        <p:spPr>
+          <a:xfrm>
+            <a:off x="0" y="0"/>
+            <a:ext cx="9144000" cy="6858000"/>
+          </a:xfrm>
+          <a:prstGeom prst="rect">
+            <a:avLst/>
+          </a:prstGeom>
+        </p:spPr>
+        <p:style>
+          <a:lnRef idx="2">
+            <a:schemeClr val="accent3">
+              <a:shade val="50000"/>
+            </a:schemeClr>
+          </a:lnRef>
+          <a:fillRef idx="1">
+            <a:schemeClr val="accent3"/>
+          </a:fillRef>
+          <a:effectRef idx="0">
+            <a:schemeClr val="accent3"/>
+          </a:effectRef>
+          <a:fontRef idx="minor">
+            <a:schemeClr val="lt1"/>
+          </a:fontRef>
+        </p:style>
+        <p:txBody>
+          <a:bodyPr rtlCol="0" anchor="ctr"/>
+          <a:lstStyle/>
+          <a:p>
+            <a:pPr algn="ctr"/>
+            <a:endParaRPr lang="ko-KR" altLang="en-US"/>
+          </a:p>
+        </p:txBody>
+      </p:sp>
+      <p:sp>
+        <p:nvSpPr>
+          <p:cNvPr id="2" name="제목 1"/>
+          <p:cNvSpPr>
+            <a:spLocks noGrp="1"/>
+          </p:cNvSpPr>
+          <p:nvPr>
+            <p:ph type="title"/>
+          </p:nvPr>
+        </p:nvSpPr>
+        <p:spPr/>
+        <p:txBody>
+          <a:bodyPr/>
+          <a:lstStyle/>
+          <a:p>
+            <a:r>
+              <a:rPr lang="en-US" altLang="ko-KR" dirty="0" err="1" smtClean="0"/>
+              <a:t>Github</a:t>
+            </a:r>
+            <a:endParaRPr lang="ko-KR" altLang="en-US" dirty="0"/>
+          </a:p>
+        </p:txBody>
+      </p:sp>
+      <p:sp>
+        <p:nvSpPr>
+          <p:cNvPr id="3" name="내용 개체 틀 2"/>
+          <p:cNvSpPr>
+            <a:spLocks noGrp="1"/>
+          </p:cNvSpPr>
+          <p:nvPr>
+            <p:ph idx="1"/>
+          </p:nvPr>
+        </p:nvSpPr>
+        <p:spPr>
+          <a:xfrm>
+            <a:off x="936228" y="2708920"/>
+            <a:ext cx="8229600" cy="2265115"/>
+          </a:xfrm>
+        </p:spPr>
+        <p:txBody>
+          <a:bodyPr>
+            <a:normAutofit/>
+          </a:bodyPr>
+          <a:lstStyle/>
+          <a:p>
+            <a:pPr marL="0" indent="0">
+              <a:buNone/>
+            </a:pPr>
+            <a:r>
+              <a:rPr lang="en-US" altLang="ko-KR" sz="2400" dirty="0">
+                <a:solidFill>
+                  <a:schemeClr val="bg1">
+                    <a:lumMod val="50000"/>
+                  </a:schemeClr>
+                </a:solidFill>
+                <a:hlinkClick r:id="rId2"/>
+              </a:rPr>
+              <a:t>https://github.com/woochang0110/STM32_Elevator</a:t>
+            </a:r>
+            <a:endParaRPr lang="ko-KR" altLang="en-US" sz="2400" dirty="0">
+              <a:solidFill>
+                <a:schemeClr val="bg1">
+                  <a:lumMod val="50000"/>
+                </a:schemeClr>
+              </a:solidFill>
+            </a:endParaRPr>
+          </a:p>
+        </p:txBody>
+      </p:sp>
+    </p:spTree>
+    <p:extLst>
+      <p:ext uri="{BB962C8B-B14F-4D97-AF65-F5344CB8AC3E}">
+        <p14:creationId xmlns:p14="http://schemas.microsoft.com/office/powerpoint/2010/main" val="155229549"/>
+      </p:ext>
+    </p:extLst>
+  </p:cSld>
+  <p:clrMapOvr>
+    <a:masterClrMapping/>
+  </p:clrMapOvr>
+  <p:timing>
+    <p:tnLst>
+      <p:par>
+        <p:cTn id="1" dur="indefinite" restart="never" nodeType="tmRoot"/>
+      </p:par>
+    </p:tnLst>
+  </p:timing>
 </p:sld>
 </file>
 
